--- a/JE/Du papier au numérique la gestion des caractères grecs ligaturés_v2.pptx
+++ b/JE/Du papier au numérique la gestion des caractères grecs ligaturés_v2.pptx
@@ -243,7 +243,7 @@
           <a:p>
             <a:fld id="{F699991C-361E-EA40-B5C3-147A8933D896}" type="datetimeFigureOut">
               <a:rPr lang="fr-FR" smtClean="0"/>
-              <a:t>24/08/2022</a:t>
+              <a:t>27/08/2022</a:t>
             </a:fld>
             <a:endParaRPr lang="fr-FR"/>
           </a:p>
@@ -285,7 +285,7 @@
           <a:p>
             <a:fld id="{596509D5-3574-EE46-B46C-156665145D44}" type="slidenum">
               <a:rPr lang="fr-FR" smtClean="0"/>
-              <a:t>‹N°›</a:t>
+              <a:t>‹#›</a:t>
             </a:fld>
             <a:endParaRPr lang="fr-FR"/>
           </a:p>
@@ -389,7 +389,7 @@
           <a:p>
             <a:fld id="{F699991C-361E-EA40-B5C3-147A8933D896}" type="datetimeFigureOut">
               <a:rPr lang="fr-FR" smtClean="0"/>
-              <a:t>24/08/2022</a:t>
+              <a:t>27/08/2022</a:t>
             </a:fld>
             <a:endParaRPr lang="fr-FR"/>
           </a:p>
@@ -431,7 +431,7 @@
           <a:p>
             <a:fld id="{596509D5-3574-EE46-B46C-156665145D44}" type="slidenum">
               <a:rPr lang="fr-FR" smtClean="0"/>
-              <a:t>‹N°›</a:t>
+              <a:t>‹#›</a:t>
             </a:fld>
             <a:endParaRPr lang="fr-FR"/>
           </a:p>
@@ -545,7 +545,7 @@
           <a:p>
             <a:fld id="{F699991C-361E-EA40-B5C3-147A8933D896}" type="datetimeFigureOut">
               <a:rPr lang="fr-FR" smtClean="0"/>
-              <a:t>24/08/2022</a:t>
+              <a:t>27/08/2022</a:t>
             </a:fld>
             <a:endParaRPr lang="fr-FR"/>
           </a:p>
@@ -587,7 +587,7 @@
           <a:p>
             <a:fld id="{596509D5-3574-EE46-B46C-156665145D44}" type="slidenum">
               <a:rPr lang="fr-FR" smtClean="0"/>
-              <a:t>‹N°›</a:t>
+              <a:t>‹#›</a:t>
             </a:fld>
             <a:endParaRPr lang="fr-FR"/>
           </a:p>
@@ -691,7 +691,7 @@
           <a:p>
             <a:fld id="{F699991C-361E-EA40-B5C3-147A8933D896}" type="datetimeFigureOut">
               <a:rPr lang="fr-FR" smtClean="0"/>
-              <a:t>24/08/2022</a:t>
+              <a:t>27/08/2022</a:t>
             </a:fld>
             <a:endParaRPr lang="fr-FR"/>
           </a:p>
@@ -733,7 +733,7 @@
           <a:p>
             <a:fld id="{596509D5-3574-EE46-B46C-156665145D44}" type="slidenum">
               <a:rPr lang="fr-FR" smtClean="0"/>
-              <a:t>‹N°›</a:t>
+              <a:t>‹#›</a:t>
             </a:fld>
             <a:endParaRPr lang="fr-FR"/>
           </a:p>
@@ -940,7 +940,7 @@
           <a:p>
             <a:fld id="{F699991C-361E-EA40-B5C3-147A8933D896}" type="datetimeFigureOut">
               <a:rPr lang="fr-FR" smtClean="0"/>
-              <a:t>24/08/2022</a:t>
+              <a:t>27/08/2022</a:t>
             </a:fld>
             <a:endParaRPr lang="fr-FR"/>
           </a:p>
@@ -982,7 +982,7 @@
           <a:p>
             <a:fld id="{596509D5-3574-EE46-B46C-156665145D44}" type="slidenum">
               <a:rPr lang="fr-FR" smtClean="0"/>
-              <a:t>‹N°›</a:t>
+              <a:t>‹#›</a:t>
             </a:fld>
             <a:endParaRPr lang="fr-FR"/>
           </a:p>
@@ -1124,7 +1124,7 @@
           <a:p>
             <a:fld id="{F699991C-361E-EA40-B5C3-147A8933D896}" type="datetimeFigureOut">
               <a:rPr lang="fr-FR" smtClean="0"/>
-              <a:t>24/08/2022</a:t>
+              <a:t>27/08/2022</a:t>
             </a:fld>
             <a:endParaRPr lang="fr-FR"/>
           </a:p>
@@ -1166,7 +1166,7 @@
           <a:p>
             <a:fld id="{596509D5-3574-EE46-B46C-156665145D44}" type="slidenum">
               <a:rPr lang="fr-FR" smtClean="0"/>
-              <a:t>‹N°›</a:t>
+              <a:t>‹#›</a:t>
             </a:fld>
             <a:endParaRPr lang="fr-FR"/>
           </a:p>
@@ -1453,7 +1453,7 @@
           <a:p>
             <a:fld id="{F699991C-361E-EA40-B5C3-147A8933D896}" type="datetimeFigureOut">
               <a:rPr lang="fr-FR" smtClean="0"/>
-              <a:t>24/08/2022</a:t>
+              <a:t>27/08/2022</a:t>
             </a:fld>
             <a:endParaRPr lang="fr-FR"/>
           </a:p>
@@ -1495,7 +1495,7 @@
           <a:p>
             <a:fld id="{596509D5-3574-EE46-B46C-156665145D44}" type="slidenum">
               <a:rPr lang="fr-FR" smtClean="0"/>
-              <a:t>‹N°›</a:t>
+              <a:t>‹#›</a:t>
             </a:fld>
             <a:endParaRPr lang="fr-FR"/>
           </a:p>
@@ -1571,7 +1571,7 @@
           <a:p>
             <a:fld id="{F699991C-361E-EA40-B5C3-147A8933D896}" type="datetimeFigureOut">
               <a:rPr lang="fr-FR" smtClean="0"/>
-              <a:t>24/08/2022</a:t>
+              <a:t>27/08/2022</a:t>
             </a:fld>
             <a:endParaRPr lang="fr-FR"/>
           </a:p>
@@ -1613,7 +1613,7 @@
           <a:p>
             <a:fld id="{596509D5-3574-EE46-B46C-156665145D44}" type="slidenum">
               <a:rPr lang="fr-FR" smtClean="0"/>
-              <a:t>‹N°›</a:t>
+              <a:t>‹#›</a:t>
             </a:fld>
             <a:endParaRPr lang="fr-FR"/>
           </a:p>
@@ -1666,7 +1666,7 @@
           <a:p>
             <a:fld id="{F699991C-361E-EA40-B5C3-147A8933D896}" type="datetimeFigureOut">
               <a:rPr lang="fr-FR" smtClean="0"/>
-              <a:t>24/08/2022</a:t>
+              <a:t>27/08/2022</a:t>
             </a:fld>
             <a:endParaRPr lang="fr-FR"/>
           </a:p>
@@ -1708,7 +1708,7 @@
           <a:p>
             <a:fld id="{596509D5-3574-EE46-B46C-156665145D44}" type="slidenum">
               <a:rPr lang="fr-FR" smtClean="0"/>
-              <a:t>‹N°›</a:t>
+              <a:t>‹#›</a:t>
             </a:fld>
             <a:endParaRPr lang="fr-FR"/>
           </a:p>
@@ -1924,7 +1924,7 @@
           <a:p>
             <a:fld id="{F699991C-361E-EA40-B5C3-147A8933D896}" type="datetimeFigureOut">
               <a:rPr lang="fr-FR" smtClean="0"/>
-              <a:t>24/08/2022</a:t>
+              <a:t>27/08/2022</a:t>
             </a:fld>
             <a:endParaRPr lang="fr-FR"/>
           </a:p>
@@ -1966,7 +1966,7 @@
           <a:p>
             <a:fld id="{596509D5-3574-EE46-B46C-156665145D44}" type="slidenum">
               <a:rPr lang="fr-FR" smtClean="0"/>
-              <a:t>‹N°›</a:t>
+              <a:t>‹#›</a:t>
             </a:fld>
             <a:endParaRPr lang="fr-FR"/>
           </a:p>
@@ -2186,7 +2186,7 @@
           <a:p>
             <a:fld id="{F699991C-361E-EA40-B5C3-147A8933D896}" type="datetimeFigureOut">
               <a:rPr lang="fr-FR" smtClean="0"/>
-              <a:t>24/08/2022</a:t>
+              <a:t>27/08/2022</a:t>
             </a:fld>
             <a:endParaRPr lang="fr-FR"/>
           </a:p>
@@ -2228,7 +2228,7 @@
           <a:p>
             <a:fld id="{596509D5-3574-EE46-B46C-156665145D44}" type="slidenum">
               <a:rPr lang="fr-FR" smtClean="0"/>
-              <a:t>‹N°›</a:t>
+              <a:t>‹#›</a:t>
             </a:fld>
             <a:endParaRPr lang="fr-FR"/>
           </a:p>
@@ -2375,7 +2375,7 @@
           <a:p>
             <a:fld id="{F699991C-361E-EA40-B5C3-147A8933D896}" type="datetimeFigureOut">
               <a:rPr lang="fr-FR" smtClean="0"/>
-              <a:t>24/08/2022</a:t>
+              <a:t>27/08/2022</a:t>
             </a:fld>
             <a:endParaRPr lang="fr-FR"/>
           </a:p>
@@ -2453,7 +2453,7 @@
           <a:p>
             <a:fld id="{596509D5-3574-EE46-B46C-156665145D44}" type="slidenum">
               <a:rPr lang="fr-FR" smtClean="0"/>
-              <a:t>‹N°›</a:t>
+              <a:t>‹#›</a:t>
             </a:fld>
             <a:endParaRPr lang="fr-FR"/>
           </a:p>
@@ -2766,6 +2766,16 @@
 <file path=ppt/slides/slide1.xml><?xml version="1.0" encoding="utf-8"?>
 <p:sld xmlns:a="http://schemas.openxmlformats.org/drawingml/2006/main" xmlns:r="http://schemas.openxmlformats.org/officeDocument/2006/relationships" xmlns:p="http://schemas.openxmlformats.org/presentationml/2006/main">
   <p:cSld>
+    <p:bg>
+      <p:bgPr>
+        <a:solidFill>
+          <a:srgbClr val="EAD3B2">
+            <a:alpha val="81000"/>
+          </a:srgbClr>
+        </a:solidFill>
+        <a:effectLst/>
+      </p:bgPr>
+    </p:bg>
     <p:spTree>
       <p:nvGrpSpPr>
         <p:cNvPr id="1" name=""/>
@@ -2943,7 +2953,7 @@
         </p:blipFill>
         <p:spPr>
           <a:xfrm>
-            <a:off x="10041805" y="6369319"/>
+            <a:off x="9229955" y="6689280"/>
             <a:ext cx="2735261" cy="1083774"/>
           </a:xfrm>
           <a:prstGeom prst="rect">
@@ -2973,7 +2983,7 @@
         </p:blipFill>
         <p:spPr>
           <a:xfrm>
-            <a:off x="2541664" y="8406914"/>
+            <a:off x="634251" y="8180693"/>
             <a:ext cx="3037840" cy="2097741"/>
           </a:xfrm>
           <a:prstGeom prst="rect">
@@ -2995,7 +3005,7 @@
         </p:nvSpPr>
         <p:spPr>
           <a:xfrm>
-            <a:off x="2694064" y="10668120"/>
+            <a:off x="770826" y="10635225"/>
             <a:ext cx="3037840" cy="1315104"/>
           </a:xfrm>
           <a:prstGeom prst="rect">
@@ -3101,7 +3111,7 @@
         </p:blipFill>
         <p:spPr>
           <a:xfrm>
-            <a:off x="1652664" y="6457949"/>
+            <a:off x="814719" y="6457949"/>
             <a:ext cx="5714745" cy="1315105"/>
           </a:xfrm>
           <a:prstGeom prst="rect">
@@ -3161,7 +3171,7 @@
         </p:blipFill>
         <p:spPr>
           <a:xfrm>
-            <a:off x="9304261" y="15540371"/>
+            <a:off x="7674769" y="16096980"/>
             <a:ext cx="2384425" cy="975996"/>
           </a:xfrm>
           <a:prstGeom prst="rect">
@@ -3314,6 +3324,182 @@
           </a:p>
         </p:txBody>
       </p:sp>
+      <p:pic>
+        <p:nvPicPr>
+          <p:cNvPr id="8" name="Picture 7">
+            <a:extLst>
+              <a:ext uri="{FF2B5EF4-FFF2-40B4-BE49-F238E27FC236}">
+                <a16:creationId xmlns:a16="http://schemas.microsoft.com/office/drawing/2014/main" id="{75E1EED4-6788-3859-ED76-A09B2F44337A}"/>
+              </a:ext>
+            </a:extLst>
+          </p:cNvPr>
+          <p:cNvPicPr>
+            <a:picLocks noChangeAspect="1"/>
+          </p:cNvPicPr>
+          <p:nvPr/>
+        </p:nvPicPr>
+        <p:blipFill>
+          <a:blip r:embed="rId9"/>
+          <a:stretch>
+            <a:fillRect/>
+          </a:stretch>
+        </p:blipFill>
+        <p:spPr>
+          <a:xfrm>
+            <a:off x="3491624" y="17155257"/>
+            <a:ext cx="1442720" cy="817581"/>
+          </a:xfrm>
+          <a:prstGeom prst="rect">
+            <a:avLst/>
+          </a:prstGeom>
+        </p:spPr>
+      </p:pic>
+      <p:sp>
+        <p:nvSpPr>
+          <p:cNvPr id="9" name="TextBox 8">
+            <a:extLst>
+              <a:ext uri="{FF2B5EF4-FFF2-40B4-BE49-F238E27FC236}">
+                <a16:creationId xmlns:a16="http://schemas.microsoft.com/office/drawing/2014/main" id="{19D6E326-6573-3A5A-6ED3-F9EB9417AFE7}"/>
+              </a:ext>
+            </a:extLst>
+          </p:cNvPr>
+          <p:cNvSpPr txBox="1"/>
+          <p:nvPr/>
+        </p:nvSpPr>
+        <p:spPr>
+          <a:xfrm>
+            <a:off x="3583064" y="18574346"/>
+            <a:ext cx="1781416" cy="323165"/>
+          </a:xfrm>
+          <a:prstGeom prst="rect">
+            <a:avLst/>
+          </a:prstGeom>
+          <a:noFill/>
+        </p:spPr>
+        <p:txBody>
+          <a:bodyPr wrap="square" rtlCol="0">
+            <a:spAutoFit/>
+          </a:bodyPr>
+          <a:lstStyle/>
+          <a:p>
+            <a:r>
+              <a:rPr lang="fr-FR" sz="1500" dirty="0"/>
+              <a:t>Castelli, p. 538.</a:t>
+            </a:r>
+            <a:endParaRPr lang="en-GB" sz="1500" dirty="0"/>
+          </a:p>
+        </p:txBody>
+      </p:sp>
+      <p:sp>
+        <p:nvSpPr>
+          <p:cNvPr id="10" name="TextBox 9">
+            <a:extLst>
+              <a:ext uri="{FF2B5EF4-FFF2-40B4-BE49-F238E27FC236}">
+                <a16:creationId xmlns:a16="http://schemas.microsoft.com/office/drawing/2014/main" id="{8CF46903-9A99-56F6-45FD-9E8F602189EC}"/>
+              </a:ext>
+            </a:extLst>
+          </p:cNvPr>
+          <p:cNvSpPr txBox="1"/>
+          <p:nvPr/>
+        </p:nvSpPr>
+        <p:spPr>
+          <a:xfrm>
+            <a:off x="5025784" y="16278846"/>
+            <a:ext cx="1598536" cy="553998"/>
+          </a:xfrm>
+          <a:prstGeom prst="rect">
+            <a:avLst/>
+          </a:prstGeom>
+          <a:noFill/>
+        </p:spPr>
+        <p:txBody>
+          <a:bodyPr wrap="square" rtlCol="0">
+            <a:spAutoFit/>
+          </a:bodyPr>
+          <a:lstStyle/>
+          <a:p>
+            <a:r>
+              <a:rPr lang="fr-FR" sz="1500" dirty="0"/>
+              <a:t>James </a:t>
+            </a:r>
+            <a:r>
+              <a:rPr lang="fr-FR" sz="1500" dirty="0" err="1"/>
+              <a:t>fr</a:t>
+            </a:r>
+            <a:r>
+              <a:rPr lang="fr-FR" sz="1500" dirty="0"/>
+              <a:t>, vol. 5, p. 59. </a:t>
+            </a:r>
+            <a:endParaRPr lang="en-GB" sz="1500" dirty="0"/>
+          </a:p>
+        </p:txBody>
+      </p:sp>
+      <p:sp>
+        <p:nvSpPr>
+          <p:cNvPr id="11" name="TextBox 10">
+            <a:extLst>
+              <a:ext uri="{FF2B5EF4-FFF2-40B4-BE49-F238E27FC236}">
+                <a16:creationId xmlns:a16="http://schemas.microsoft.com/office/drawing/2014/main" id="{63B8890F-D739-66AB-E6C3-07A85A2634F9}"/>
+              </a:ext>
+            </a:extLst>
+          </p:cNvPr>
+          <p:cNvSpPr txBox="1"/>
+          <p:nvPr/>
+        </p:nvSpPr>
+        <p:spPr>
+          <a:xfrm>
+            <a:off x="7827144" y="11316612"/>
+            <a:ext cx="2560320" cy="553998"/>
+          </a:xfrm>
+          <a:prstGeom prst="rect">
+            <a:avLst/>
+          </a:prstGeom>
+          <a:noFill/>
+        </p:spPr>
+        <p:txBody>
+          <a:bodyPr wrap="square" rtlCol="0">
+            <a:spAutoFit/>
+          </a:bodyPr>
+          <a:lstStyle/>
+          <a:p>
+            <a:r>
+              <a:rPr lang="fr-FR" sz="1500" dirty="0"/>
+              <a:t>Tendance à la réduction des ligatures </a:t>
+            </a:r>
+            <a:endParaRPr lang="en-GB" sz="1500" dirty="0"/>
+          </a:p>
+        </p:txBody>
+      </p:sp>
+      <p:pic>
+        <p:nvPicPr>
+          <p:cNvPr id="22" name="Picture 21">
+            <a:extLst>
+              <a:ext uri="{FF2B5EF4-FFF2-40B4-BE49-F238E27FC236}">
+                <a16:creationId xmlns:a16="http://schemas.microsoft.com/office/drawing/2014/main" id="{E4590AA2-C5AE-52CC-4183-DD36A979AD98}"/>
+              </a:ext>
+            </a:extLst>
+          </p:cNvPr>
+          <p:cNvPicPr>
+            <a:picLocks noChangeAspect="1"/>
+          </p:cNvPicPr>
+          <p:nvPr/>
+        </p:nvPicPr>
+        <p:blipFill>
+          <a:blip r:embed="rId10"/>
+          <a:stretch>
+            <a:fillRect/>
+          </a:stretch>
+        </p:blipFill>
+        <p:spPr>
+          <a:xfrm>
+            <a:off x="4782039" y="9634662"/>
+            <a:ext cx="7975183" cy="1498626"/>
+          </a:xfrm>
+          <a:prstGeom prst="rect">
+            <a:avLst/>
+          </a:prstGeom>
+        </p:spPr>
+      </p:pic>
     </p:spTree>
     <p:extLst>
       <p:ext uri="{BB962C8B-B14F-4D97-AF65-F5344CB8AC3E}">

--- a/JE/Du papier au numérique la gestion des caractères grecs ligaturés_v2.pptx
+++ b/JE/Du papier au numérique la gestion des caractères grecs ligaturés_v2.pptx
@@ -2251,9 +2251,14 @@
 <p:sldMaster xmlns:a="http://schemas.openxmlformats.org/drawingml/2006/main" xmlns:r="http://schemas.openxmlformats.org/officeDocument/2006/relationships" xmlns:p="http://schemas.openxmlformats.org/presentationml/2006/main">
   <p:cSld>
     <p:bg>
-      <p:bgRef idx="1001">
-        <a:schemeClr val="bg1"/>
-      </p:bgRef>
+      <p:bgPr>
+        <a:solidFill>
+          <a:schemeClr val="bg1">
+            <a:alpha val="81000"/>
+          </a:schemeClr>
+        </a:solidFill>
+        <a:effectLst/>
+      </p:bgPr>
     </p:bg>
     <p:spTree>
       <p:nvGrpSpPr>
@@ -2766,16 +2771,6 @@
 <file path=ppt/slides/slide1.xml><?xml version="1.0" encoding="utf-8"?>
 <p:sld xmlns:a="http://schemas.openxmlformats.org/drawingml/2006/main" xmlns:r="http://schemas.openxmlformats.org/officeDocument/2006/relationships" xmlns:p="http://schemas.openxmlformats.org/presentationml/2006/main">
   <p:cSld>
-    <p:bg>
-      <p:bgPr>
-        <a:solidFill>
-          <a:srgbClr val="EAD3B2">
-            <a:alpha val="81000"/>
-          </a:srgbClr>
-        </a:solidFill>
-        <a:effectLst/>
-      </p:bgPr>
-    </p:bg>
     <p:spTree>
       <p:nvGrpSpPr>
         <p:cNvPr id="1" name=""/>
@@ -2953,7 +2948,7 @@
         </p:blipFill>
         <p:spPr>
           <a:xfrm>
-            <a:off x="9229955" y="6689280"/>
+            <a:off x="9229955" y="6600379"/>
             <a:ext cx="2735261" cy="1083774"/>
           </a:xfrm>
           <a:prstGeom prst="rect">
@@ -2983,7 +2978,7 @@
         </p:blipFill>
         <p:spPr>
           <a:xfrm>
-            <a:off x="634251" y="8180693"/>
+            <a:off x="788673" y="7839362"/>
             <a:ext cx="3037840" cy="2097741"/>
           </a:xfrm>
           <a:prstGeom prst="rect">
@@ -3005,8 +3000,8 @@
         </p:nvSpPr>
         <p:spPr>
           <a:xfrm>
-            <a:off x="770826" y="10635225"/>
-            <a:ext cx="3037840" cy="1315104"/>
+            <a:off x="788673" y="10002593"/>
+            <a:ext cx="2915580" cy="1315104"/>
           </a:xfrm>
           <a:prstGeom prst="rect">
             <a:avLst/>
@@ -3141,7 +3136,7 @@
         </p:blipFill>
         <p:spPr>
           <a:xfrm>
-            <a:off x="3583064" y="15831943"/>
+            <a:off x="1361117" y="15505585"/>
             <a:ext cx="1259840" cy="753035"/>
           </a:xfrm>
           <a:prstGeom prst="rect">
@@ -3171,8 +3166,8 @@
         </p:blipFill>
         <p:spPr>
           <a:xfrm>
-            <a:off x="7674769" y="16096980"/>
-            <a:ext cx="2384425" cy="975996"/>
+            <a:off x="3476495" y="15491924"/>
+            <a:ext cx="5390853" cy="2206591"/>
           </a:xfrm>
           <a:prstGeom prst="rect">
             <a:avLst/>
@@ -3208,10 +3203,10 @@
           <a:lstStyle/>
           <a:p>
             <a:r>
-              <a:rPr lang="fr-FR" sz="3200" dirty="0"/>
+              <a:rPr lang="fr-FR" sz="3200" b="1" dirty="0"/>
               <a:t>Le problème des diacritiques</a:t>
             </a:r>
-            <a:endParaRPr lang="en-GB" sz="3200" dirty="0"/>
+            <a:endParaRPr lang="en-GB" sz="3200" b="1" dirty="0"/>
           </a:p>
         </p:txBody>
       </p:sp>
@@ -3244,10 +3239,10 @@
           <a:lstStyle/>
           <a:p>
             <a:r>
-              <a:rPr lang="fr-FR" sz="3200" dirty="0"/>
+              <a:rPr lang="fr-FR" sz="3200" b="1" dirty="0"/>
               <a:t>Des ligatures protéiformes</a:t>
             </a:r>
-            <a:endParaRPr lang="en-GB" sz="3200" dirty="0"/>
+            <a:endParaRPr lang="en-GB" sz="3200" b="1" dirty="0"/>
           </a:p>
         </p:txBody>
       </p:sp>
@@ -3265,7 +3260,7 @@
         </p:nvSpPr>
         <p:spPr>
           <a:xfrm>
-            <a:off x="1178237" y="12374808"/>
+            <a:off x="1178237" y="12766823"/>
             <a:ext cx="12378344" cy="1684692"/>
           </a:xfrm>
           <a:prstGeom prst="rect">
@@ -3346,8 +3341,8 @@
         </p:blipFill>
         <p:spPr>
           <a:xfrm>
-            <a:off x="3491624" y="17155257"/>
-            <a:ext cx="1442720" cy="817581"/>
+            <a:off x="1357350" y="17090444"/>
+            <a:ext cx="1235162" cy="699959"/>
           </a:xfrm>
           <a:prstGeom prst="rect">
             <a:avLst/>
@@ -3368,7 +3363,7 @@
         </p:nvSpPr>
         <p:spPr>
           <a:xfrm>
-            <a:off x="3583064" y="18574346"/>
+            <a:off x="1274434" y="17848403"/>
             <a:ext cx="1781416" cy="323165"/>
           </a:xfrm>
           <a:prstGeom prst="rect">
@@ -3404,8 +3399,8 @@
         </p:nvSpPr>
         <p:spPr>
           <a:xfrm>
-            <a:off x="5025784" y="16278846"/>
-            <a:ext cx="1598536" cy="553998"/>
+            <a:off x="1274434" y="16159668"/>
+            <a:ext cx="1442720" cy="553998"/>
           </a:xfrm>
           <a:prstGeom prst="rect">
             <a:avLst/>
@@ -3448,8 +3443,8 @@
         </p:nvSpPr>
         <p:spPr>
           <a:xfrm>
-            <a:off x="7827144" y="11316612"/>
-            <a:ext cx="2560320" cy="553998"/>
+            <a:off x="6609994" y="11919578"/>
+            <a:ext cx="5642542" cy="784830"/>
           </a:xfrm>
           <a:prstGeom prst="rect">
             <a:avLst/>
@@ -3464,7 +3459,15 @@
           <a:p>
             <a:r>
               <a:rPr lang="fr-FR" sz="1500" dirty="0"/>
-              <a:t>Tendance à la réduction des ligatures </a:t>
+              <a:t>Même définition dans la Traduction Française du dictionnaire de Médecine de </a:t>
+            </a:r>
+            <a:r>
+              <a:rPr lang="fr-FR" sz="1500" dirty="0" err="1"/>
+              <a:t>R.James</a:t>
+            </a:r>
+            <a:r>
+              <a:rPr lang="fr-FR" sz="1500" dirty="0"/>
+              <a:t>, Tendance à la réduction des ligatures entre les XVIIe et XVIIIe siècle,</a:t>
             </a:r>
             <a:endParaRPr lang="en-GB" sz="1500" dirty="0"/>
           </a:p>
@@ -3492,7 +3495,7 @@
         </p:blipFill>
         <p:spPr>
           <a:xfrm>
-            <a:off x="4782039" y="9634662"/>
+            <a:off x="6609994" y="10351072"/>
             <a:ext cx="7975183" cy="1498626"/>
           </a:xfrm>
           <a:prstGeom prst="rect">
@@ -3500,6 +3503,203 @@
           </a:prstGeom>
         </p:spPr>
       </p:pic>
+      <p:sp>
+        <p:nvSpPr>
+          <p:cNvPr id="2" name="Right Brace 1">
+            <a:extLst>
+              <a:ext uri="{FF2B5EF4-FFF2-40B4-BE49-F238E27FC236}">
+                <a16:creationId xmlns:a16="http://schemas.microsoft.com/office/drawing/2014/main" id="{45CC5EB7-02EE-45DD-41E5-E89C283A8F81}"/>
+              </a:ext>
+            </a:extLst>
+          </p:cNvPr>
+          <p:cNvSpPr/>
+          <p:nvPr/>
+        </p:nvSpPr>
+        <p:spPr>
+          <a:xfrm>
+            <a:off x="2620957" y="15525812"/>
+            <a:ext cx="827093" cy="2206592"/>
+          </a:xfrm>
+          <a:prstGeom prst="rightBrace">
+            <a:avLst/>
+          </a:prstGeom>
+          <a:ln>
+            <a:solidFill>
+              <a:schemeClr val="tx1"/>
+            </a:solidFill>
+          </a:ln>
+        </p:spPr>
+        <p:style>
+          <a:lnRef idx="1">
+            <a:schemeClr val="accent1"/>
+          </a:lnRef>
+          <a:fillRef idx="0">
+            <a:schemeClr val="accent1"/>
+          </a:fillRef>
+          <a:effectRef idx="0">
+            <a:schemeClr val="accent1"/>
+          </a:effectRef>
+          <a:fontRef idx="minor">
+            <a:schemeClr val="tx1"/>
+          </a:fontRef>
+        </p:style>
+        <p:txBody>
+          <a:bodyPr rtlCol="0" anchor="ctr"/>
+          <a:lstStyle/>
+          <a:p>
+            <a:pPr algn="ctr"/>
+            <a:endParaRPr lang="en-GB"/>
+          </a:p>
+        </p:txBody>
+      </p:sp>
+      <p:sp>
+        <p:nvSpPr>
+          <p:cNvPr id="6" name="TextBox 5">
+            <a:extLst>
+              <a:ext uri="{FF2B5EF4-FFF2-40B4-BE49-F238E27FC236}">
+                <a16:creationId xmlns:a16="http://schemas.microsoft.com/office/drawing/2014/main" id="{71E8E559-FD09-115D-67B2-BEE9AAE4D6EC}"/>
+              </a:ext>
+            </a:extLst>
+          </p:cNvPr>
+          <p:cNvSpPr txBox="1"/>
+          <p:nvPr/>
+        </p:nvSpPr>
+        <p:spPr>
+          <a:xfrm>
+            <a:off x="9954034" y="16567167"/>
+            <a:ext cx="3807966" cy="1477328"/>
+          </a:xfrm>
+          <a:prstGeom prst="rect">
+            <a:avLst/>
+          </a:prstGeom>
+          <a:noFill/>
+        </p:spPr>
+        <p:txBody>
+          <a:bodyPr wrap="square" rtlCol="0">
+            <a:spAutoFit/>
+          </a:bodyPr>
+          <a:lstStyle/>
+          <a:p>
+            <a:r>
+              <a:rPr lang="fr-FR" sz="1500" dirty="0"/>
+              <a:t>Le placement des diacritiques, varie entre les époques et les traditions d’imprimerie, l’océrisation doit elle aller de la diversité des pratiques à une standardisation équivalent à l'Unicode utilisé comme premier code du grec ancien.</a:t>
+            </a:r>
+            <a:endParaRPr lang="en-GB" sz="1500" dirty="0"/>
+          </a:p>
+        </p:txBody>
+      </p:sp>
+      <p:sp>
+        <p:nvSpPr>
+          <p:cNvPr id="7" name="TextBox 6">
+            <a:extLst>
+              <a:ext uri="{FF2B5EF4-FFF2-40B4-BE49-F238E27FC236}">
+                <a16:creationId xmlns:a16="http://schemas.microsoft.com/office/drawing/2014/main" id="{D4B20C6D-7662-E71F-9A56-38C05D1AF60E}"/>
+              </a:ext>
+            </a:extLst>
+          </p:cNvPr>
+          <p:cNvSpPr txBox="1"/>
+          <p:nvPr/>
+        </p:nvSpPr>
+        <p:spPr>
+          <a:xfrm>
+            <a:off x="9162661" y="7994817"/>
+            <a:ext cx="3312368" cy="784830"/>
+          </a:xfrm>
+          <a:prstGeom prst="rect">
+            <a:avLst/>
+          </a:prstGeom>
+          <a:noFill/>
+        </p:spPr>
+        <p:txBody>
+          <a:bodyPr wrap="square" rtlCol="0">
+            <a:spAutoFit/>
+          </a:bodyPr>
+          <a:lstStyle/>
+          <a:p>
+            <a:r>
+              <a:rPr lang="fr-FR" sz="1500" dirty="0"/>
+              <a:t>Exemple d’apprentissage de la ligature </a:t>
+            </a:r>
+            <a:r>
+              <a:rPr lang="el-GR" sz="1500" dirty="0"/>
+              <a:t>σθαι</a:t>
+            </a:r>
+            <a:r>
+              <a:rPr lang="fr-FR" sz="1500" dirty="0"/>
+              <a:t>, dans Abby </a:t>
+            </a:r>
+            <a:r>
+              <a:rPr lang="fr-FR" sz="1500" dirty="0" err="1"/>
+              <a:t>Deep</a:t>
+            </a:r>
+            <a:r>
+              <a:rPr lang="fr-FR" sz="1500" dirty="0"/>
+              <a:t> </a:t>
+            </a:r>
+            <a:r>
+              <a:rPr lang="fr-FR" sz="1500" dirty="0" err="1"/>
+              <a:t>reader</a:t>
+            </a:r>
+            <a:r>
+              <a:rPr lang="fr-FR" sz="1500" dirty="0"/>
+              <a:t> une fois </a:t>
+            </a:r>
+            <a:r>
+              <a:rPr lang="fr-FR" sz="1500" dirty="0" err="1"/>
+              <a:t>recconu</a:t>
+            </a:r>
+            <a:r>
+              <a:rPr lang="fr-FR" sz="1500" dirty="0"/>
+              <a:t> </a:t>
+            </a:r>
+            <a:endParaRPr lang="en-GB" sz="1500" dirty="0"/>
+          </a:p>
+        </p:txBody>
+      </p:sp>
+      <p:sp>
+        <p:nvSpPr>
+          <p:cNvPr id="12" name="TextBox 11">
+            <a:extLst>
+              <a:ext uri="{FF2B5EF4-FFF2-40B4-BE49-F238E27FC236}">
+                <a16:creationId xmlns:a16="http://schemas.microsoft.com/office/drawing/2014/main" id="{B19FD410-1880-2E0D-AC64-9E94665BAD59}"/>
+              </a:ext>
+            </a:extLst>
+          </p:cNvPr>
+          <p:cNvSpPr txBox="1"/>
+          <p:nvPr/>
+        </p:nvSpPr>
+        <p:spPr>
+          <a:xfrm>
+            <a:off x="8350898" y="9078591"/>
+            <a:ext cx="3536302" cy="1153906"/>
+          </a:xfrm>
+          <a:prstGeom prst="rect">
+            <a:avLst/>
+          </a:prstGeom>
+          <a:noFill/>
+        </p:spPr>
+        <p:txBody>
+          <a:bodyPr wrap="square" rtlCol="0">
+            <a:spAutoFit/>
+          </a:bodyPr>
+          <a:lstStyle/>
+          <a:p>
+            <a:r>
+              <a:rPr lang="fr-FR" dirty="0">
+                <a:highlight>
+                  <a:srgbClr val="FFFF00"/>
+                </a:highlight>
+              </a:rPr>
+              <a:t>Équivalent dans TRANSCIBUS</a:t>
+            </a:r>
+            <a:endParaRPr lang="en-GB" dirty="0">
+              <a:highlight>
+                <a:srgbClr val="FFFF00"/>
+              </a:highlight>
+            </a:endParaRPr>
+          </a:p>
+        </p:txBody>
+      </p:sp>
     </p:spTree>
     <p:extLst>
       <p:ext uri="{BB962C8B-B14F-4D97-AF65-F5344CB8AC3E}">

--- a/JE/Du papier au numérique la gestion des caractères grecs ligaturés_v2.pptx
+++ b/JE/Du papier au numérique la gestion des caractères grecs ligaturés_v2.pptx
@@ -3136,7 +3136,7 @@
         </p:blipFill>
         <p:spPr>
           <a:xfrm>
-            <a:off x="1361117" y="15505585"/>
+            <a:off x="1535222" y="15769819"/>
             <a:ext cx="1259840" cy="753035"/>
           </a:xfrm>
           <a:prstGeom prst="rect">
@@ -3166,7 +3166,7 @@
         </p:blipFill>
         <p:spPr>
           <a:xfrm>
-            <a:off x="3476495" y="15491924"/>
+            <a:off x="3672091" y="16239102"/>
             <a:ext cx="5390853" cy="2206591"/>
           </a:xfrm>
           <a:prstGeom prst="rect">
@@ -3188,7 +3188,7 @@
         </p:nvSpPr>
         <p:spPr>
           <a:xfrm>
-            <a:off x="4782039" y="14617965"/>
+            <a:off x="4715676" y="14929480"/>
             <a:ext cx="7249540" cy="584775"/>
           </a:xfrm>
           <a:prstGeom prst="rect">
@@ -3341,7 +3341,7 @@
         </p:blipFill>
         <p:spPr>
           <a:xfrm>
-            <a:off x="1357350" y="17090444"/>
+            <a:off x="1559900" y="17652970"/>
             <a:ext cx="1235162" cy="699959"/>
           </a:xfrm>
           <a:prstGeom prst="rect">
@@ -3363,7 +3363,7 @@
         </p:nvSpPr>
         <p:spPr>
           <a:xfrm>
-            <a:off x="1274434" y="17848403"/>
+            <a:off x="1535222" y="18352929"/>
             <a:ext cx="1781416" cy="323165"/>
           </a:xfrm>
           <a:prstGeom prst="rect">
@@ -3399,7 +3399,7 @@
         </p:nvSpPr>
         <p:spPr>
           <a:xfrm>
-            <a:off x="1274434" y="16159668"/>
+            <a:off x="1535222" y="16567167"/>
             <a:ext cx="1442720" cy="553998"/>
           </a:xfrm>
           <a:prstGeom prst="rect">
@@ -3517,7 +3517,7 @@
         </p:nvSpPr>
         <p:spPr>
           <a:xfrm>
-            <a:off x="2620957" y="15525812"/>
+            <a:off x="2843397" y="16146337"/>
             <a:ext cx="827093" cy="2206592"/>
           </a:xfrm>
           <a:prstGeom prst="rightBrace">
@@ -3700,6 +3700,66 @@
           </a:p>
         </p:txBody>
       </p:sp>
+      <p:pic>
+        <p:nvPicPr>
+          <p:cNvPr id="23" name="Picture 22">
+            <a:extLst>
+              <a:ext uri="{FF2B5EF4-FFF2-40B4-BE49-F238E27FC236}">
+                <a16:creationId xmlns:a16="http://schemas.microsoft.com/office/drawing/2014/main" id="{632147E7-B91A-EDC3-BD06-A9984DE65474}"/>
+              </a:ext>
+            </a:extLst>
+          </p:cNvPr>
+          <p:cNvPicPr>
+            <a:picLocks noChangeAspect="1"/>
+          </p:cNvPicPr>
+          <p:nvPr/>
+        </p:nvPicPr>
+        <p:blipFill>
+          <a:blip r:embed="rId11"/>
+          <a:stretch>
+            <a:fillRect/>
+          </a:stretch>
+        </p:blipFill>
+        <p:spPr>
+          <a:xfrm>
+            <a:off x="4590645" y="20480162"/>
+            <a:ext cx="10528705" cy="79255"/>
+          </a:xfrm>
+          <a:prstGeom prst="rect">
+            <a:avLst/>
+          </a:prstGeom>
+        </p:spPr>
+      </p:pic>
+      <p:pic>
+        <p:nvPicPr>
+          <p:cNvPr id="24" name="Picture 23">
+            <a:extLst>
+              <a:ext uri="{FF2B5EF4-FFF2-40B4-BE49-F238E27FC236}">
+                <a16:creationId xmlns:a16="http://schemas.microsoft.com/office/drawing/2014/main" id="{265DC6F8-C03E-F271-A33A-56FA6E363F7C}"/>
+              </a:ext>
+            </a:extLst>
+          </p:cNvPr>
+          <p:cNvPicPr>
+            <a:picLocks noChangeAspect="1"/>
+          </p:cNvPicPr>
+          <p:nvPr/>
+        </p:nvPicPr>
+        <p:blipFill>
+          <a:blip r:embed="rId12"/>
+          <a:stretch>
+            <a:fillRect/>
+          </a:stretch>
+        </p:blipFill>
+        <p:spPr>
+          <a:xfrm>
+            <a:off x="6609994" y="14451515"/>
+            <a:ext cx="1103472" cy="317019"/>
+          </a:xfrm>
+          <a:prstGeom prst="rect">
+            <a:avLst/>
+          </a:prstGeom>
+        </p:spPr>
+      </p:pic>
     </p:spTree>
     <p:extLst>
       <p:ext uri="{BB962C8B-B14F-4D97-AF65-F5344CB8AC3E}">

--- a/JE/Du papier au numérique la gestion des caractères grecs ligaturés_v2.pptx
+++ b/JE/Du papier au numérique la gestion des caractères grecs ligaturés_v2.pptx
@@ -243,7 +243,7 @@
           <a:p>
             <a:fld id="{F699991C-361E-EA40-B5C3-147A8933D896}" type="datetimeFigureOut">
               <a:rPr lang="fr-FR" smtClean="0"/>
-              <a:t>27/08/2022</a:t>
+              <a:t>29/08/2022</a:t>
             </a:fld>
             <a:endParaRPr lang="fr-FR"/>
           </a:p>
@@ -389,7 +389,7 @@
           <a:p>
             <a:fld id="{F699991C-361E-EA40-B5C3-147A8933D896}" type="datetimeFigureOut">
               <a:rPr lang="fr-FR" smtClean="0"/>
-              <a:t>27/08/2022</a:t>
+              <a:t>29/08/2022</a:t>
             </a:fld>
             <a:endParaRPr lang="fr-FR"/>
           </a:p>
@@ -545,7 +545,7 @@
           <a:p>
             <a:fld id="{F699991C-361E-EA40-B5C3-147A8933D896}" type="datetimeFigureOut">
               <a:rPr lang="fr-FR" smtClean="0"/>
-              <a:t>27/08/2022</a:t>
+              <a:t>29/08/2022</a:t>
             </a:fld>
             <a:endParaRPr lang="fr-FR"/>
           </a:p>
@@ -691,7 +691,7 @@
           <a:p>
             <a:fld id="{F699991C-361E-EA40-B5C3-147A8933D896}" type="datetimeFigureOut">
               <a:rPr lang="fr-FR" smtClean="0"/>
-              <a:t>27/08/2022</a:t>
+              <a:t>29/08/2022</a:t>
             </a:fld>
             <a:endParaRPr lang="fr-FR"/>
           </a:p>
@@ -940,7 +940,7 @@
           <a:p>
             <a:fld id="{F699991C-361E-EA40-B5C3-147A8933D896}" type="datetimeFigureOut">
               <a:rPr lang="fr-FR" smtClean="0"/>
-              <a:t>27/08/2022</a:t>
+              <a:t>29/08/2022</a:t>
             </a:fld>
             <a:endParaRPr lang="fr-FR"/>
           </a:p>
@@ -1124,7 +1124,7 @@
           <a:p>
             <a:fld id="{F699991C-361E-EA40-B5C3-147A8933D896}" type="datetimeFigureOut">
               <a:rPr lang="fr-FR" smtClean="0"/>
-              <a:t>27/08/2022</a:t>
+              <a:t>29/08/2022</a:t>
             </a:fld>
             <a:endParaRPr lang="fr-FR"/>
           </a:p>
@@ -1453,7 +1453,7 @@
           <a:p>
             <a:fld id="{F699991C-361E-EA40-B5C3-147A8933D896}" type="datetimeFigureOut">
               <a:rPr lang="fr-FR" smtClean="0"/>
-              <a:t>27/08/2022</a:t>
+              <a:t>29/08/2022</a:t>
             </a:fld>
             <a:endParaRPr lang="fr-FR"/>
           </a:p>
@@ -1571,7 +1571,7 @@
           <a:p>
             <a:fld id="{F699991C-361E-EA40-B5C3-147A8933D896}" type="datetimeFigureOut">
               <a:rPr lang="fr-FR" smtClean="0"/>
-              <a:t>27/08/2022</a:t>
+              <a:t>29/08/2022</a:t>
             </a:fld>
             <a:endParaRPr lang="fr-FR"/>
           </a:p>
@@ -1666,7 +1666,7 @@
           <a:p>
             <a:fld id="{F699991C-361E-EA40-B5C3-147A8933D896}" type="datetimeFigureOut">
               <a:rPr lang="fr-FR" smtClean="0"/>
-              <a:t>27/08/2022</a:t>
+              <a:t>29/08/2022</a:t>
             </a:fld>
             <a:endParaRPr lang="fr-FR"/>
           </a:p>
@@ -1924,7 +1924,7 @@
           <a:p>
             <a:fld id="{F699991C-361E-EA40-B5C3-147A8933D896}" type="datetimeFigureOut">
               <a:rPr lang="fr-FR" smtClean="0"/>
-              <a:t>27/08/2022</a:t>
+              <a:t>29/08/2022</a:t>
             </a:fld>
             <a:endParaRPr lang="fr-FR"/>
           </a:p>
@@ -2186,7 +2186,7 @@
           <a:p>
             <a:fld id="{F699991C-361E-EA40-B5C3-147A8933D896}" type="datetimeFigureOut">
               <a:rPr lang="fr-FR" smtClean="0"/>
-              <a:t>27/08/2022</a:t>
+              <a:t>29/08/2022</a:t>
             </a:fld>
             <a:endParaRPr lang="fr-FR"/>
           </a:p>
@@ -2380,7 +2380,7 @@
           <a:p>
             <a:fld id="{F699991C-361E-EA40-B5C3-147A8933D896}" type="datetimeFigureOut">
               <a:rPr lang="fr-FR" smtClean="0"/>
-              <a:t>27/08/2022</a:t>
+              <a:t>29/08/2022</a:t>
             </a:fld>
             <a:endParaRPr lang="fr-FR"/>
           </a:p>
@@ -2807,7 +2807,7 @@
         </p:blipFill>
         <p:spPr>
           <a:xfrm>
-            <a:off x="685286" y="915348"/>
+            <a:off x="652122" y="915348"/>
             <a:ext cx="3208920" cy="1222528"/>
           </a:xfrm>
           <a:prstGeom prst="rect">
@@ -2829,8 +2829,8 @@
         </p:nvSpPr>
         <p:spPr>
           <a:xfrm>
-            <a:off x="2342284" y="2809279"/>
-            <a:ext cx="10434782" cy="1846659"/>
+            <a:off x="2418410" y="2200291"/>
+            <a:ext cx="10434782" cy="3508653"/>
           </a:xfrm>
           <a:prstGeom prst="rect">
             <a:avLst/>
@@ -2845,54 +2845,93 @@
           <a:p>
             <a:pPr algn="ctr"/>
             <a:r>
-              <a:rPr lang="fr-FR" sz="3800" dirty="0"/>
+              <a:rPr lang="fr-FR" sz="5950" dirty="0">
+                <a:latin typeface="Helvetica" panose="020B0604020202020204" pitchFamily="34" charset="0"/>
+                <a:cs typeface="Helvetica" panose="020B0604020202020204" pitchFamily="34" charset="0"/>
+              </a:rPr>
               <a:t>Les caractères grecs : des manuscrits aux imprimés (XVII</a:t>
             </a:r>
             <a:r>
-              <a:rPr lang="fr-FR" sz="3800" baseline="30000" dirty="0"/>
+              <a:rPr lang="fr-FR" sz="5950" baseline="30000" dirty="0">
+                <a:latin typeface="Helvetica" panose="020B0604020202020204" pitchFamily="34" charset="0"/>
+                <a:cs typeface="Helvetica" panose="020B0604020202020204" pitchFamily="34" charset="0"/>
+              </a:rPr>
               <a:t>e</a:t>
             </a:r>
             <a:r>
-              <a:rPr lang="fr-FR" sz="3800" dirty="0"/>
+              <a:rPr lang="fr-FR" sz="5950" dirty="0">
+                <a:latin typeface="Helvetica" panose="020B0604020202020204" pitchFamily="34" charset="0"/>
+                <a:cs typeface="Helvetica" panose="020B0604020202020204" pitchFamily="34" charset="0"/>
+              </a:rPr>
               <a:t>-XVIII</a:t>
             </a:r>
             <a:r>
-              <a:rPr lang="fr-FR" sz="3800" baseline="30000" dirty="0"/>
+              <a:rPr lang="fr-FR" sz="5950" baseline="30000" dirty="0">
+                <a:latin typeface="Helvetica" panose="020B0604020202020204" pitchFamily="34" charset="0"/>
+                <a:cs typeface="Helvetica" panose="020B0604020202020204" pitchFamily="34" charset="0"/>
+              </a:rPr>
               <a:t>e</a:t>
             </a:r>
             <a:r>
-              <a:rPr lang="fr-FR" sz="3800" dirty="0"/>
+              <a:rPr lang="fr-FR" sz="5950" dirty="0">
+                <a:latin typeface="Helvetica" panose="020B0604020202020204" pitchFamily="34" charset="0"/>
+                <a:cs typeface="Helvetica" panose="020B0604020202020204" pitchFamily="34" charset="0"/>
+              </a:rPr>
               <a:t> siècles)</a:t>
             </a:r>
-            <a:endParaRPr lang="en-GB" sz="3800" dirty="0"/>
+            <a:endParaRPr lang="en-GB" sz="5950" dirty="0">
+              <a:latin typeface="Helvetica" panose="020B0604020202020204" pitchFamily="34" charset="0"/>
+              <a:cs typeface="Helvetica" panose="020B0604020202020204" pitchFamily="34" charset="0"/>
+            </a:endParaRPr>
           </a:p>
           <a:p>
             <a:pPr algn="ctr"/>
             <a:r>
-              <a:rPr lang="en-GB" sz="3800" dirty="0"/>
+              <a:rPr lang="en-GB" sz="4200" dirty="0">
+                <a:latin typeface="Helvetica" panose="020B0604020202020204" pitchFamily="34" charset="0"/>
+                <a:cs typeface="Helvetica" panose="020B0604020202020204" pitchFamily="34" charset="0"/>
+              </a:rPr>
               <a:t>par Anaïs C</a:t>
             </a:r>
             <a:r>
-              <a:rPr lang="en-GB" sz="3800" cap="small" dirty="0"/>
+              <a:rPr lang="en-GB" sz="4200" cap="small" dirty="0">
+                <a:latin typeface="Helvetica" panose="020B0604020202020204" pitchFamily="34" charset="0"/>
+                <a:cs typeface="Helvetica" panose="020B0604020202020204" pitchFamily="34" charset="0"/>
+              </a:rPr>
               <a:t>hambat</a:t>
             </a:r>
             <a:r>
-              <a:rPr lang="en-GB" sz="3800" dirty="0"/>
+              <a:rPr lang="en-GB" sz="4200" dirty="0">
+                <a:latin typeface="Helvetica" panose="020B0604020202020204" pitchFamily="34" charset="0"/>
+                <a:cs typeface="Helvetica" panose="020B0604020202020204" pitchFamily="34" charset="0"/>
+              </a:rPr>
               <a:t> et </a:t>
             </a:r>
             <a:r>
-              <a:rPr lang="en-GB" sz="3800" dirty="0" err="1"/>
+              <a:rPr lang="en-GB" sz="4200" dirty="0" err="1">
+                <a:latin typeface="Helvetica" panose="020B0604020202020204" pitchFamily="34" charset="0"/>
+                <a:cs typeface="Helvetica" panose="020B0604020202020204" pitchFamily="34" charset="0"/>
+              </a:rPr>
               <a:t>Cahal</a:t>
             </a:r>
             <a:r>
-              <a:rPr lang="en-GB" sz="3800" dirty="0"/>
+              <a:rPr lang="en-GB" sz="4200" dirty="0">
+                <a:latin typeface="Helvetica" panose="020B0604020202020204" pitchFamily="34" charset="0"/>
+                <a:cs typeface="Helvetica" panose="020B0604020202020204" pitchFamily="34" charset="0"/>
+              </a:rPr>
               <a:t> T</a:t>
             </a:r>
             <a:r>
-              <a:rPr lang="en-GB" sz="3800" cap="small" dirty="0"/>
+              <a:rPr lang="en-GB" sz="4200" cap="small" dirty="0">
+                <a:latin typeface="Helvetica" panose="020B0604020202020204" pitchFamily="34" charset="0"/>
+                <a:cs typeface="Helvetica" panose="020B0604020202020204" pitchFamily="34" charset="0"/>
+              </a:rPr>
               <a:t>aaffe </a:t>
             </a:r>
-            <a:endParaRPr lang="fr-FR" sz="3800" cap="small" dirty="0"/>
+            <a:endParaRPr lang="fr-FR" sz="4200" cap="small" dirty="0">
+              <a:latin typeface="Helvetica" panose="020B0604020202020204" pitchFamily="34" charset="0"/>
+              <a:cs typeface="Helvetica" panose="020B0604020202020204" pitchFamily="34" charset="0"/>
+            </a:endParaRPr>
           </a:p>
         </p:txBody>
       </p:sp>
@@ -2918,7 +2957,7 @@
         </p:blipFill>
         <p:spPr>
           <a:xfrm>
-            <a:off x="10597586" y="913876"/>
+            <a:off x="10696221" y="913876"/>
             <a:ext cx="3836478" cy="1224000"/>
           </a:xfrm>
           <a:prstGeom prst="rect">
@@ -2948,143 +2987,14 @@
         </p:blipFill>
         <p:spPr>
           <a:xfrm>
-            <a:off x="9229955" y="6600379"/>
-            <a:ext cx="2735261" cy="1083774"/>
+            <a:off x="8531887" y="8417656"/>
+            <a:ext cx="3846458" cy="1524056"/>
           </a:xfrm>
           <a:prstGeom prst="rect">
             <a:avLst/>
           </a:prstGeom>
         </p:spPr>
       </p:pic>
-      <p:pic>
-        <p:nvPicPr>
-          <p:cNvPr id="14" name="Picture 5">
-            <a:extLst>
-              <a:ext uri="{FF2B5EF4-FFF2-40B4-BE49-F238E27FC236}">
-                <a16:creationId xmlns:a16="http://schemas.microsoft.com/office/drawing/2014/main" id="{B3440BE7-4044-4EB7-8911-72EF6DEF6774}"/>
-              </a:ext>
-            </a:extLst>
-          </p:cNvPr>
-          <p:cNvPicPr>
-            <a:picLocks noChangeAspect="1"/>
-          </p:cNvPicPr>
-          <p:nvPr/>
-        </p:nvPicPr>
-        <p:blipFill>
-          <a:blip r:embed="rId5"/>
-          <a:stretch>
-            <a:fillRect/>
-          </a:stretch>
-        </p:blipFill>
-        <p:spPr>
-          <a:xfrm>
-            <a:off x="788673" y="7839362"/>
-            <a:ext cx="3037840" cy="2097741"/>
-          </a:xfrm>
-          <a:prstGeom prst="rect">
-            <a:avLst/>
-          </a:prstGeom>
-        </p:spPr>
-      </p:pic>
-      <p:sp>
-        <p:nvSpPr>
-          <p:cNvPr id="15" name="TextBox 6">
-            <a:extLst>
-              <a:ext uri="{FF2B5EF4-FFF2-40B4-BE49-F238E27FC236}">
-                <a16:creationId xmlns:a16="http://schemas.microsoft.com/office/drawing/2014/main" id="{D5D3F674-0B7B-4B37-892D-9A49CEA50993}"/>
-              </a:ext>
-            </a:extLst>
-          </p:cNvPr>
-          <p:cNvSpPr txBox="1"/>
-          <p:nvPr/>
-        </p:nvSpPr>
-        <p:spPr>
-          <a:xfrm>
-            <a:off x="788673" y="10002593"/>
-            <a:ext cx="2915580" cy="1315104"/>
-          </a:xfrm>
-          <a:prstGeom prst="rect">
-            <a:avLst/>
-          </a:prstGeom>
-          <a:noFill/>
-        </p:spPr>
-        <p:txBody>
-          <a:bodyPr wrap="square" rtlCol="0">
-            <a:spAutoFit/>
-          </a:bodyPr>
-          <a:lstStyle/>
-          <a:p>
-            <a:pPr indent="-304800" algn="l">
-              <a:lnSpc>
-                <a:spcPct val="107000"/>
-              </a:lnSpc>
-              <a:spcAft>
-                <a:spcPts val="800"/>
-              </a:spcAft>
-            </a:pPr>
-            <a:r>
-              <a:rPr lang="en-GB" sz="1500" cap="small" dirty="0" err="1">
-                <a:effectLst/>
-                <a:latin typeface="Times New Roman" panose="02020603050405020304" pitchFamily="18" charset="0"/>
-                <a:ea typeface="Times New Roman" panose="02020603050405020304" pitchFamily="18" charset="0"/>
-                <a:cs typeface="Times New Roman" panose="02020603050405020304" pitchFamily="18" charset="0"/>
-              </a:rPr>
-              <a:t>Oikonomides</a:t>
-            </a:r>
-            <a:r>
-              <a:rPr lang="en-GB" sz="1500" dirty="0">
-                <a:effectLst/>
-                <a:latin typeface="Times New Roman" panose="02020603050405020304" pitchFamily="18" charset="0"/>
-                <a:ea typeface="Times New Roman" panose="02020603050405020304" pitchFamily="18" charset="0"/>
-                <a:cs typeface="Times New Roman" panose="02020603050405020304" pitchFamily="18" charset="0"/>
-              </a:rPr>
-              <a:t> N., </a:t>
-            </a:r>
-            <a:r>
-              <a:rPr lang="en-GB" sz="1500" i="1" dirty="0">
-                <a:effectLst/>
-                <a:latin typeface="Times New Roman" panose="02020603050405020304" pitchFamily="18" charset="0"/>
-                <a:ea typeface="Times New Roman" panose="02020603050405020304" pitchFamily="18" charset="0"/>
-                <a:cs typeface="Times New Roman" panose="02020603050405020304" pitchFamily="18" charset="0"/>
-              </a:rPr>
-              <a:t>Abbreviations in </a:t>
-            </a:r>
-            <a:r>
-              <a:rPr lang="en-GB" sz="1500" i="1" dirty="0" err="1">
-                <a:effectLst/>
-                <a:latin typeface="Times New Roman" panose="02020603050405020304" pitchFamily="18" charset="0"/>
-                <a:ea typeface="Times New Roman" panose="02020603050405020304" pitchFamily="18" charset="0"/>
-                <a:cs typeface="Times New Roman" panose="02020603050405020304" pitchFamily="18" charset="0"/>
-              </a:rPr>
-              <a:t>greek</a:t>
-            </a:r>
-            <a:r>
-              <a:rPr lang="en-GB" sz="1500" i="1" dirty="0">
-                <a:effectLst/>
-                <a:latin typeface="Times New Roman" panose="02020603050405020304" pitchFamily="18" charset="0"/>
-                <a:ea typeface="Times New Roman" panose="02020603050405020304" pitchFamily="18" charset="0"/>
-                <a:cs typeface="Times New Roman" panose="02020603050405020304" pitchFamily="18" charset="0"/>
-              </a:rPr>
-              <a:t> inscriptions: papyri manuscripts and early printed books</a:t>
-            </a:r>
-            <a:r>
-              <a:rPr lang="en-GB" sz="1500" dirty="0">
-                <a:effectLst/>
-                <a:latin typeface="Times New Roman" panose="02020603050405020304" pitchFamily="18" charset="0"/>
-                <a:ea typeface="Times New Roman" panose="02020603050405020304" pitchFamily="18" charset="0"/>
-                <a:cs typeface="Times New Roman" panose="02020603050405020304" pitchFamily="18" charset="0"/>
-              </a:rPr>
-              <a:t>, Chicago, Ares Publishers, 1974, p, 201.</a:t>
-            </a:r>
-            <a:endParaRPr lang="en-GB" sz="1500" dirty="0">
-              <a:effectLst/>
-              <a:latin typeface="Calibri" panose="020F0502020204030204" pitchFamily="34" charset="0"/>
-              <a:ea typeface="Calibri" panose="020F0502020204030204" pitchFamily="34" charset="0"/>
-              <a:cs typeface="Times New Roman" panose="02020603050405020304" pitchFamily="18" charset="0"/>
-            </a:endParaRPr>
-          </a:p>
-        </p:txBody>
-      </p:sp>
       <p:pic>
         <p:nvPicPr>
           <p:cNvPr id="16" name="Picture 8">
@@ -3100,14 +3010,14 @@
           <p:nvPr/>
         </p:nvPicPr>
         <p:blipFill rotWithShape="1">
-          <a:blip r:embed="rId6"/>
+          <a:blip r:embed="rId5"/>
           <a:srcRect b="6573"/>
           <a:stretch/>
         </p:blipFill>
         <p:spPr>
           <a:xfrm>
-            <a:off x="814719" y="6457949"/>
-            <a:ext cx="5714745" cy="1315105"/>
+            <a:off x="893542" y="8407669"/>
+            <a:ext cx="6666133" cy="1534043"/>
           </a:xfrm>
           <a:prstGeom prst="rect">
             <a:avLst/>
@@ -3129,14 +3039,14 @@
           <p:nvPr/>
         </p:nvPicPr>
         <p:blipFill>
-          <a:blip r:embed="rId7"/>
+          <a:blip r:embed="rId6"/>
           <a:stretch>
             <a:fillRect/>
           </a:stretch>
         </p:blipFill>
         <p:spPr>
           <a:xfrm>
-            <a:off x="1535222" y="15769819"/>
+            <a:off x="2126440" y="16741324"/>
             <a:ext cx="1259840" cy="753035"/>
           </a:xfrm>
           <a:prstGeom prst="rect">
@@ -3159,15 +3069,15 @@
           <p:nvPr/>
         </p:nvPicPr>
         <p:blipFill>
-          <a:blip r:embed="rId8"/>
+          <a:blip r:embed="rId7"/>
           <a:stretch>
             <a:fillRect/>
           </a:stretch>
         </p:blipFill>
         <p:spPr>
           <a:xfrm>
-            <a:off x="3672091" y="16239102"/>
-            <a:ext cx="5390853" cy="2206591"/>
+            <a:off x="4488710" y="17336388"/>
+            <a:ext cx="4406944" cy="1803856"/>
           </a:xfrm>
           <a:prstGeom prst="rect">
             <a:avLst/>
@@ -3188,8 +3098,8 @@
         </p:nvSpPr>
         <p:spPr>
           <a:xfrm>
-            <a:off x="4715676" y="14929480"/>
-            <a:ext cx="7249540" cy="584775"/>
+            <a:off x="4143731" y="15353362"/>
+            <a:ext cx="7249540" cy="707886"/>
           </a:xfrm>
           <a:prstGeom prst="rect">
             <a:avLst/>
@@ -3203,10 +3113,16 @@
           <a:lstStyle/>
           <a:p>
             <a:r>
-              <a:rPr lang="fr-FR" sz="3200" b="1" dirty="0"/>
+              <a:rPr lang="fr-FR" sz="4000" dirty="0">
+                <a:latin typeface="Helvetica" panose="020B0604020202020204" pitchFamily="34" charset="0"/>
+                <a:cs typeface="Helvetica" panose="020B0604020202020204" pitchFamily="34" charset="0"/>
+              </a:rPr>
               <a:t>Le problème des diacritiques</a:t>
             </a:r>
-            <a:endParaRPr lang="en-GB" sz="3200" b="1" dirty="0"/>
+            <a:endParaRPr lang="en-GB" sz="4000" dirty="0">
+              <a:latin typeface="Helvetica" panose="020B0604020202020204" pitchFamily="34" charset="0"/>
+              <a:cs typeface="Helvetica" panose="020B0604020202020204" pitchFamily="34" charset="0"/>
+            </a:endParaRPr>
           </a:p>
         </p:txBody>
       </p:sp>
@@ -3224,8 +3140,8 @@
         </p:nvSpPr>
         <p:spPr>
           <a:xfrm>
-            <a:off x="5056702" y="5457139"/>
-            <a:ext cx="5540884" cy="584775"/>
+            <a:off x="3323748" y="6582414"/>
+            <a:ext cx="8499879" cy="738664"/>
           </a:xfrm>
           <a:prstGeom prst="rect">
             <a:avLst/>
@@ -3238,11 +3154,18 @@
           </a:bodyPr>
           <a:lstStyle/>
           <a:p>
-            <a:r>
-              <a:rPr lang="fr-FR" sz="3200" b="1" dirty="0"/>
+            <a:pPr algn="ctr"/>
+            <a:r>
+              <a:rPr lang="fr-FR" sz="4200" dirty="0">
+                <a:latin typeface="Helvetica" panose="020B0604020202020204" pitchFamily="34" charset="0"/>
+                <a:cs typeface="Helvetica" panose="020B0604020202020204" pitchFamily="34" charset="0"/>
+              </a:rPr>
               <a:t>Des ligatures protéiformes</a:t>
             </a:r>
-            <a:endParaRPr lang="en-GB" sz="3200" b="1" dirty="0"/>
+            <a:endParaRPr lang="en-GB" sz="4200" dirty="0">
+              <a:latin typeface="Helvetica" panose="020B0604020202020204" pitchFamily="34" charset="0"/>
+              <a:cs typeface="Helvetica" panose="020B0604020202020204" pitchFamily="34" charset="0"/>
+            </a:endParaRPr>
           </a:p>
         </p:txBody>
       </p:sp>
@@ -3260,7 +3183,7 @@
         </p:nvSpPr>
         <p:spPr>
           <a:xfrm>
-            <a:off x="1178237" y="12766823"/>
+            <a:off x="236116" y="13415046"/>
             <a:ext cx="12378344" cy="1684692"/>
           </a:xfrm>
           <a:prstGeom prst="rect">
@@ -3279,7 +3202,7 @@
               <a:buChar char="-"/>
             </a:pPr>
             <a:r>
-              <a:rPr lang="fr-FR" dirty="0">
+              <a:rPr lang="fr-FR" strike="sngStrike" dirty="0">
                 <a:highlight>
                   <a:srgbClr val="FFFF00"/>
                 </a:highlight>
@@ -3287,7 +3210,7 @@
               <a:t>Quelles évolutions entre les dictionnaires du XVIIe et le James </a:t>
             </a:r>
             <a:r>
-              <a:rPr lang="fr-FR" dirty="0" err="1">
+              <a:rPr lang="fr-FR" strike="sngStrike" dirty="0" err="1">
                 <a:highlight>
                   <a:srgbClr val="FFFF00"/>
                 </a:highlight>
@@ -3295,7 +3218,7 @@
               <a:t>fr</a:t>
             </a:r>
             <a:r>
-              <a:rPr lang="fr-FR" dirty="0">
+              <a:rPr lang="fr-FR" strike="sngStrike" dirty="0">
                 <a:highlight>
                   <a:srgbClr val="FFFF00"/>
                 </a:highlight>
@@ -3334,14 +3257,14 @@
           <p:nvPr/>
         </p:nvPicPr>
         <p:blipFill>
-          <a:blip r:embed="rId9"/>
+          <a:blip r:embed="rId8"/>
           <a:stretch>
             <a:fillRect/>
           </a:stretch>
         </p:blipFill>
         <p:spPr>
           <a:xfrm>
-            <a:off x="1559900" y="17652970"/>
+            <a:off x="2165142" y="18826045"/>
             <a:ext cx="1235162" cy="699959"/>
           </a:xfrm>
           <a:prstGeom prst="rect">
@@ -3363,8 +3286,8 @@
         </p:nvSpPr>
         <p:spPr>
           <a:xfrm>
-            <a:off x="1535222" y="18352929"/>
-            <a:ext cx="1781416" cy="323165"/>
+            <a:off x="2126440" y="19591544"/>
+            <a:ext cx="1454960" cy="830997"/>
           </a:xfrm>
           <a:prstGeom prst="rect">
             <a:avLst/>
@@ -3378,10 +3301,16 @@
           <a:lstStyle/>
           <a:p>
             <a:r>
-              <a:rPr lang="fr-FR" sz="1500" dirty="0"/>
+              <a:rPr lang="fr-FR" sz="2400" dirty="0">
+                <a:latin typeface="Helvetica" panose="020B0604020202020204" pitchFamily="34" charset="0"/>
+                <a:cs typeface="Helvetica" panose="020B0604020202020204" pitchFamily="34" charset="0"/>
+              </a:rPr>
               <a:t>Castelli, p. 538.</a:t>
             </a:r>
-            <a:endParaRPr lang="en-GB" sz="1500" dirty="0"/>
+            <a:endParaRPr lang="en-GB" sz="2400" dirty="0">
+              <a:latin typeface="Helvetica" panose="020B0604020202020204" pitchFamily="34" charset="0"/>
+              <a:cs typeface="Helvetica" panose="020B0604020202020204" pitchFamily="34" charset="0"/>
+            </a:endParaRPr>
           </a:p>
         </p:txBody>
       </p:sp>
@@ -3399,8 +3328,8 @@
         </p:nvSpPr>
         <p:spPr>
           <a:xfrm>
-            <a:off x="1535222" y="16567167"/>
-            <a:ext cx="1442720" cy="553998"/>
+            <a:off x="2126440" y="17455252"/>
+            <a:ext cx="1734602" cy="1200329"/>
           </a:xfrm>
           <a:prstGeom prst="rect">
             <a:avLst/>
@@ -3414,18 +3343,30 @@
           <a:lstStyle/>
           <a:p>
             <a:r>
-              <a:rPr lang="fr-FR" sz="1500" dirty="0"/>
+              <a:rPr lang="fr-FR" sz="2400" dirty="0">
+                <a:latin typeface="Helvetica" panose="020B0604020202020204" pitchFamily="34" charset="0"/>
+                <a:cs typeface="Helvetica" panose="020B0604020202020204" pitchFamily="34" charset="0"/>
+              </a:rPr>
               <a:t>James </a:t>
             </a:r>
             <a:r>
-              <a:rPr lang="fr-FR" sz="1500" dirty="0" err="1"/>
+              <a:rPr lang="fr-FR" sz="2400" dirty="0" err="1">
+                <a:latin typeface="Helvetica" panose="020B0604020202020204" pitchFamily="34" charset="0"/>
+                <a:cs typeface="Helvetica" panose="020B0604020202020204" pitchFamily="34" charset="0"/>
+              </a:rPr>
               <a:t>fr</a:t>
             </a:r>
             <a:r>
-              <a:rPr lang="fr-FR" sz="1500" dirty="0"/>
+              <a:rPr lang="fr-FR" sz="2400" dirty="0">
+                <a:latin typeface="Helvetica" panose="020B0604020202020204" pitchFamily="34" charset="0"/>
+                <a:cs typeface="Helvetica" panose="020B0604020202020204" pitchFamily="34" charset="0"/>
+              </a:rPr>
               <a:t>, vol. 5, p. 59. </a:t>
             </a:r>
-            <a:endParaRPr lang="en-GB" sz="1500" dirty="0"/>
+            <a:endParaRPr lang="en-GB" sz="2400" dirty="0">
+              <a:latin typeface="Helvetica" panose="020B0604020202020204" pitchFamily="34" charset="0"/>
+              <a:cs typeface="Helvetica" panose="020B0604020202020204" pitchFamily="34" charset="0"/>
+            </a:endParaRPr>
           </a:p>
         </p:txBody>
       </p:sp>
@@ -3443,8 +3384,8 @@
         </p:nvSpPr>
         <p:spPr>
           <a:xfrm>
-            <a:off x="6609994" y="11919578"/>
-            <a:ext cx="5642542" cy="784830"/>
+            <a:off x="7940232" y="11503216"/>
+            <a:ext cx="6175818" cy="2015936"/>
           </a:xfrm>
           <a:prstGeom prst="rect">
             <a:avLst/>
@@ -3458,18 +3399,10 @@
           <a:lstStyle/>
           <a:p>
             <a:r>
-              <a:rPr lang="fr-FR" sz="1500" dirty="0"/>
-              <a:t>Même définition dans la Traduction Française du dictionnaire de Médecine de </a:t>
-            </a:r>
-            <a:r>
-              <a:rPr lang="fr-FR" sz="1500" dirty="0" err="1"/>
-              <a:t>R.James</a:t>
-            </a:r>
-            <a:r>
-              <a:rPr lang="fr-FR" sz="1500" dirty="0"/>
-              <a:t>, Tendance à la réduction des ligatures entre les XVIIe et XVIIIe siècle,</a:t>
-            </a:r>
-            <a:endParaRPr lang="en-GB" sz="1500" dirty="0"/>
+              <a:rPr lang="fr-FR" sz="2500" dirty="0"/>
+              <a:t>Même définition dans la Traduction Française du dictionnaire de Médecine de J. Robert, Tendance à la réduction des ligatures entre les XVIIe et XVIIIe siècle, donc une simplification de la  reconnaissance.</a:t>
+            </a:r>
+            <a:endParaRPr lang="en-GB" sz="2500" dirty="0"/>
           </a:p>
         </p:txBody>
       </p:sp>
@@ -3488,15 +3421,15 @@
           <p:nvPr/>
         </p:nvPicPr>
         <p:blipFill>
-          <a:blip r:embed="rId10"/>
+          <a:blip r:embed="rId9"/>
           <a:stretch>
             <a:fillRect/>
           </a:stretch>
         </p:blipFill>
         <p:spPr>
           <a:xfrm>
-            <a:off x="6609994" y="10351072"/>
-            <a:ext cx="7975183" cy="1498626"/>
+            <a:off x="707525" y="11626071"/>
+            <a:ext cx="6872411" cy="1291403"/>
           </a:xfrm>
           <a:prstGeom prst="rect">
             <a:avLst/>
@@ -3517,7 +3450,7 @@
         </p:nvSpPr>
         <p:spPr>
           <a:xfrm>
-            <a:off x="2843397" y="16146337"/>
+            <a:off x="3316638" y="17104686"/>
             <a:ext cx="827093" cy="2206592"/>
           </a:xfrm>
           <a:prstGeom prst="rightBrace">
@@ -3566,8 +3499,8 @@
         </p:nvSpPr>
         <p:spPr>
           <a:xfrm>
-            <a:off x="9954034" y="16567167"/>
-            <a:ext cx="3807966" cy="1477328"/>
+            <a:off x="9211704" y="17334174"/>
+            <a:ext cx="5456796" cy="2015936"/>
           </a:xfrm>
           <a:prstGeom prst="rect">
             <a:avLst/>
@@ -3581,10 +3514,16 @@
           <a:lstStyle/>
           <a:p>
             <a:r>
-              <a:rPr lang="fr-FR" sz="1500" dirty="0"/>
-              <a:t>Le placement des diacritiques, varie entre les époques et les traditions d’imprimerie, l’océrisation doit elle aller de la diversité des pratiques à une standardisation équivalent à l'Unicode utilisé comme premier code du grec ancien.</a:t>
-            </a:r>
-            <a:endParaRPr lang="en-GB" sz="1500" dirty="0"/>
+              <a:rPr lang="fr-FR" sz="2500" dirty="0">
+                <a:latin typeface="Helvetica" panose="020B0604020202020204" pitchFamily="34" charset="0"/>
+                <a:cs typeface="Helvetica" panose="020B0604020202020204" pitchFamily="34" charset="0"/>
+              </a:rPr>
+              <a:t>Le placement des diacritiques, varie entre les époques et les traditions d’imprimerie, l’océrisation doit elle aller de la diversité des pratiques à une standardisation.</a:t>
+            </a:r>
+            <a:endParaRPr lang="en-GB" sz="2500" dirty="0">
+              <a:latin typeface="Helvetica" panose="020B0604020202020204" pitchFamily="34" charset="0"/>
+              <a:cs typeface="Helvetica" panose="020B0604020202020204" pitchFamily="34" charset="0"/>
+            </a:endParaRPr>
           </a:p>
         </p:txBody>
       </p:sp>
@@ -3602,8 +3541,8 @@
         </p:nvSpPr>
         <p:spPr>
           <a:xfrm>
-            <a:off x="9162661" y="7994817"/>
-            <a:ext cx="3312368" cy="784830"/>
+            <a:off x="8531886" y="10006185"/>
+            <a:ext cx="5584163" cy="892552"/>
           </a:xfrm>
           <a:prstGeom prst="rect">
             <a:avLst/>
@@ -3617,42 +3556,34 @@
           <a:lstStyle/>
           <a:p>
             <a:r>
-              <a:rPr lang="fr-FR" sz="1500" dirty="0"/>
-              <a:t>Exemple d’apprentissage de la ligature </a:t>
-            </a:r>
-            <a:r>
-              <a:rPr lang="el-GR" sz="1500" dirty="0"/>
+              <a:rPr lang="fr-FR" sz="2500" dirty="0"/>
+              <a:t>Exemple d’apprentissage de la ligature « </a:t>
+            </a:r>
+            <a:r>
+              <a:rPr lang="el-GR" sz="2500" dirty="0"/>
               <a:t>σθαι</a:t>
             </a:r>
             <a:r>
-              <a:rPr lang="fr-FR" sz="1500" dirty="0"/>
-              <a:t>, dans Abby </a:t>
-            </a:r>
-            <a:r>
-              <a:rPr lang="fr-FR" sz="1500" dirty="0" err="1"/>
+              <a:rPr lang="fr-FR" sz="2500" dirty="0"/>
+              <a:t> », dans Abby </a:t>
+            </a:r>
+            <a:r>
+              <a:rPr lang="fr-FR" sz="2500" dirty="0" err="1"/>
               <a:t>Deep</a:t>
             </a:r>
             <a:r>
-              <a:rPr lang="fr-FR" sz="1500" dirty="0"/>
+              <a:rPr lang="fr-FR" sz="2500" dirty="0"/>
               <a:t> </a:t>
             </a:r>
             <a:r>
-              <a:rPr lang="fr-FR" sz="1500" dirty="0" err="1"/>
+              <a:rPr lang="fr-FR" sz="2500" dirty="0" err="1"/>
               <a:t>reader</a:t>
             </a:r>
             <a:r>
-              <a:rPr lang="fr-FR" sz="1500" dirty="0"/>
-              <a:t> une fois </a:t>
-            </a:r>
-            <a:r>
-              <a:rPr lang="fr-FR" sz="1500" dirty="0" err="1"/>
-              <a:t>recconu</a:t>
-            </a:r>
-            <a:r>
-              <a:rPr lang="fr-FR" sz="1500" dirty="0"/>
-              <a:t> </a:t>
-            </a:r>
-            <a:endParaRPr lang="en-GB" sz="1500" dirty="0"/>
+              <a:rPr lang="fr-FR" sz="2500" dirty="0"/>
+              <a:t>.</a:t>
+            </a:r>
+            <a:endParaRPr lang="en-GB" sz="2500" dirty="0"/>
           </a:p>
         </p:txBody>
       </p:sp>
@@ -3670,7 +3601,7 @@
         </p:nvSpPr>
         <p:spPr>
           <a:xfrm>
-            <a:off x="8350898" y="9078591"/>
+            <a:off x="11795602" y="6957465"/>
             <a:ext cx="3536302" cy="1153906"/>
           </a:xfrm>
           <a:prstGeom prst="rect">
@@ -3715,7 +3646,7 @@
           <p:nvPr/>
         </p:nvPicPr>
         <p:blipFill>
-          <a:blip r:embed="rId11"/>
+          <a:blip r:embed="rId10"/>
           <a:stretch>
             <a:fillRect/>
           </a:stretch>
@@ -3745,14 +3676,14 @@
           <p:nvPr/>
         </p:nvPicPr>
         <p:blipFill>
-          <a:blip r:embed="rId12"/>
+          <a:blip r:embed="rId11"/>
           <a:stretch>
             <a:fillRect/>
           </a:stretch>
         </p:blipFill>
         <p:spPr>
           <a:xfrm>
-            <a:off x="6609994" y="14451515"/>
+            <a:off x="6815673" y="5746360"/>
             <a:ext cx="1103472" cy="317019"/>
           </a:xfrm>
           <a:prstGeom prst="rect">

--- a/JE/Du papier au numérique la gestion des caractères grecs ligaturés_v2.pptx
+++ b/JE/Du papier au numérique la gestion des caractères grecs ligaturés_v2.pptx
@@ -3016,8 +3016,8 @@
         </p:blipFill>
         <p:spPr>
           <a:xfrm>
-            <a:off x="893542" y="8407669"/>
-            <a:ext cx="6666133" cy="1534043"/>
+            <a:off x="652124" y="8352113"/>
+            <a:ext cx="6907552" cy="1589600"/>
           </a:xfrm>
           <a:prstGeom prst="rect">
             <a:avLst/>
@@ -3076,7 +3076,7 @@
         </p:blipFill>
         <p:spPr>
           <a:xfrm>
-            <a:off x="4488710" y="17336388"/>
+            <a:off x="4318190" y="17303801"/>
             <a:ext cx="4406944" cy="1803856"/>
           </a:xfrm>
           <a:prstGeom prst="rect">
@@ -3098,7 +3098,7 @@
         </p:nvSpPr>
         <p:spPr>
           <a:xfrm>
-            <a:off x="4143731" y="15353362"/>
+            <a:off x="4226608" y="15748679"/>
             <a:ext cx="7249540" cy="707886"/>
           </a:xfrm>
           <a:prstGeom prst="rect">
@@ -3183,8 +3183,8 @@
         </p:nvSpPr>
         <p:spPr>
           <a:xfrm>
-            <a:off x="236116" y="13415046"/>
-            <a:ext cx="12378344" cy="1684692"/>
+            <a:off x="0" y="13805372"/>
+            <a:ext cx="15119350" cy="1684692"/>
           </a:xfrm>
           <a:prstGeom prst="rect">
             <a:avLst/>
@@ -3385,7 +3385,7 @@
         <p:spPr>
           <a:xfrm>
             <a:off x="7940232" y="11503216"/>
-            <a:ext cx="6175818" cy="2015936"/>
+            <a:ext cx="6147605" cy="1631216"/>
           </a:xfrm>
           <a:prstGeom prst="rect">
             <a:avLst/>
@@ -3399,10 +3399,16 @@
           <a:lstStyle/>
           <a:p>
             <a:r>
-              <a:rPr lang="fr-FR" sz="2500" dirty="0"/>
-              <a:t>Même définition dans la Traduction Française du dictionnaire de Médecine de J. Robert, Tendance à la réduction des ligatures entre les XVIIe et XVIIIe siècle, donc une simplification de la  reconnaissance.</a:t>
-            </a:r>
-            <a:endParaRPr lang="en-GB" sz="2500" dirty="0"/>
+              <a:rPr lang="fr-FR" sz="2500" dirty="0">
+                <a:latin typeface="Helvetica" panose="020B0604020202020204" pitchFamily="34" charset="0"/>
+                <a:cs typeface="Helvetica" panose="020B0604020202020204" pitchFamily="34" charset="0"/>
+              </a:rPr>
+              <a:t>Même définition dans la Traduction Française du dictionnaire de Médecine de J. Robert, Tendance à la réduction des ligatures entre les XVIIe et XVIIIe siècle.</a:t>
+            </a:r>
+            <a:endParaRPr lang="en-GB" sz="2500" dirty="0">
+              <a:latin typeface="Helvetica" panose="020B0604020202020204" pitchFamily="34" charset="0"/>
+              <a:cs typeface="Helvetica" panose="020B0604020202020204" pitchFamily="34" charset="0"/>
+            </a:endParaRPr>
           </a:p>
         </p:txBody>
       </p:sp>
@@ -3428,8 +3434,8 @@
         </p:blipFill>
         <p:spPr>
           <a:xfrm>
-            <a:off x="707525" y="11626071"/>
-            <a:ext cx="6872411" cy="1291403"/>
+            <a:off x="652123" y="11615661"/>
+            <a:ext cx="6927814" cy="1301814"/>
           </a:xfrm>
           <a:prstGeom prst="rect">
             <a:avLst/>
@@ -3450,7 +3456,7 @@
         </p:nvSpPr>
         <p:spPr>
           <a:xfrm>
-            <a:off x="3316638" y="17104686"/>
+            <a:off x="3403213" y="17104686"/>
             <a:ext cx="827093" cy="2206592"/>
           </a:xfrm>
           <a:prstGeom prst="rightBrace">
@@ -3499,8 +3505,8 @@
         </p:nvSpPr>
         <p:spPr>
           <a:xfrm>
-            <a:off x="9211704" y="17334174"/>
-            <a:ext cx="5456796" cy="2015936"/>
+            <a:off x="8927518" y="17303801"/>
+            <a:ext cx="5279549" cy="1631216"/>
           </a:xfrm>
           <a:prstGeom prst="rect">
             <a:avLst/>
@@ -3518,7 +3524,7 @@
                 <a:latin typeface="Helvetica" panose="020B0604020202020204" pitchFamily="34" charset="0"/>
                 <a:cs typeface="Helvetica" panose="020B0604020202020204" pitchFamily="34" charset="0"/>
               </a:rPr>
-              <a:t>Le placement des diacritiques, varie entre les époques et les traditions d’imprimerie, l’océrisation doit elle aller de la diversité des pratiques à une standardisation.</a:t>
+              <a:t>Le placement des diacritiques, varie entre les époques et les traditions d’imprimerie, ce qui pousse à une standardisation.</a:t>
             </a:r>
             <a:endParaRPr lang="en-GB" sz="2500" dirty="0">
               <a:latin typeface="Helvetica" panose="020B0604020202020204" pitchFamily="34" charset="0"/>
@@ -3541,8 +3547,8 @@
         </p:nvSpPr>
         <p:spPr>
           <a:xfrm>
-            <a:off x="8531886" y="10006185"/>
-            <a:ext cx="5584163" cy="892552"/>
+            <a:off x="8503674" y="10006185"/>
+            <a:ext cx="5584163" cy="1246495"/>
           </a:xfrm>
           <a:prstGeom prst="rect">
             <a:avLst/>
@@ -3556,34 +3562,58 @@
           <a:lstStyle/>
           <a:p>
             <a:r>
-              <a:rPr lang="fr-FR" sz="2500" dirty="0"/>
+              <a:rPr lang="fr-FR" sz="2500" dirty="0">
+                <a:latin typeface="Helvetica" panose="020B0604020202020204" pitchFamily="34" charset="0"/>
+                <a:cs typeface="Helvetica" panose="020B0604020202020204" pitchFamily="34" charset="0"/>
+              </a:rPr>
               <a:t>Exemple d’apprentissage de la ligature « </a:t>
             </a:r>
             <a:r>
-              <a:rPr lang="el-GR" sz="2500" dirty="0"/>
+              <a:rPr lang="el-GR" sz="2500" dirty="0">
+                <a:latin typeface="Helvetica" panose="020B0604020202020204" pitchFamily="34" charset="0"/>
+                <a:cs typeface="Helvetica" panose="020B0604020202020204" pitchFamily="34" charset="0"/>
+              </a:rPr>
               <a:t>σθαι</a:t>
             </a:r>
             <a:r>
-              <a:rPr lang="fr-FR" sz="2500" dirty="0"/>
+              <a:rPr lang="fr-FR" sz="2500" dirty="0">
+                <a:latin typeface="Helvetica" panose="020B0604020202020204" pitchFamily="34" charset="0"/>
+                <a:cs typeface="Helvetica" panose="020B0604020202020204" pitchFamily="34" charset="0"/>
+              </a:rPr>
               <a:t> », dans Abby </a:t>
             </a:r>
             <a:r>
-              <a:rPr lang="fr-FR" sz="2500" dirty="0" err="1"/>
+              <a:rPr lang="fr-FR" sz="2500" dirty="0" err="1">
+                <a:latin typeface="Helvetica" panose="020B0604020202020204" pitchFamily="34" charset="0"/>
+                <a:cs typeface="Helvetica" panose="020B0604020202020204" pitchFamily="34" charset="0"/>
+              </a:rPr>
               <a:t>Deep</a:t>
             </a:r>
             <a:r>
-              <a:rPr lang="fr-FR" sz="2500" dirty="0"/>
+              <a:rPr lang="fr-FR" sz="2500" dirty="0">
+                <a:latin typeface="Helvetica" panose="020B0604020202020204" pitchFamily="34" charset="0"/>
+                <a:cs typeface="Helvetica" panose="020B0604020202020204" pitchFamily="34" charset="0"/>
+              </a:rPr>
               <a:t> </a:t>
             </a:r>
             <a:r>
-              <a:rPr lang="fr-FR" sz="2500" dirty="0" err="1"/>
+              <a:rPr lang="fr-FR" sz="2500" dirty="0" err="1">
+                <a:latin typeface="Helvetica" panose="020B0604020202020204" pitchFamily="34" charset="0"/>
+                <a:cs typeface="Helvetica" panose="020B0604020202020204" pitchFamily="34" charset="0"/>
+              </a:rPr>
               <a:t>reader</a:t>
             </a:r>
             <a:r>
-              <a:rPr lang="fr-FR" sz="2500" dirty="0"/>
+              <a:rPr lang="fr-FR" sz="2500" dirty="0">
+                <a:latin typeface="Helvetica" panose="020B0604020202020204" pitchFamily="34" charset="0"/>
+                <a:cs typeface="Helvetica" panose="020B0604020202020204" pitchFamily="34" charset="0"/>
+              </a:rPr>
               <a:t>.</a:t>
             </a:r>
-            <a:endParaRPr lang="en-GB" sz="2500" dirty="0"/>
+            <a:endParaRPr lang="en-GB" sz="2500" dirty="0">
+              <a:latin typeface="Helvetica" panose="020B0604020202020204" pitchFamily="34" charset="0"/>
+              <a:cs typeface="Helvetica" panose="020B0604020202020204" pitchFamily="34" charset="0"/>
+            </a:endParaRPr>
           </a:p>
         </p:txBody>
       </p:sp>
@@ -3683,7 +3713,7 @@
         </p:blipFill>
         <p:spPr>
           <a:xfrm>
-            <a:off x="6815673" y="5746360"/>
+            <a:off x="6836760" y="5880609"/>
             <a:ext cx="1103472" cy="317019"/>
           </a:xfrm>
           <a:prstGeom prst="rect">
@@ -3691,6 +3721,90 @@
           </a:prstGeom>
         </p:spPr>
       </p:pic>
+      <p:sp>
+        <p:nvSpPr>
+          <p:cNvPr id="25" name="TextBox 24">
+            <a:extLst>
+              <a:ext uri="{FF2B5EF4-FFF2-40B4-BE49-F238E27FC236}">
+                <a16:creationId xmlns:a16="http://schemas.microsoft.com/office/drawing/2014/main" id="{3D0A1DD9-DF45-70F0-AEF1-2747D45DB00F}"/>
+              </a:ext>
+            </a:extLst>
+          </p:cNvPr>
+          <p:cNvSpPr txBox="1"/>
+          <p:nvPr/>
+        </p:nvSpPr>
+        <p:spPr>
+          <a:xfrm>
+            <a:off x="652124" y="9976229"/>
+            <a:ext cx="3666066" cy="461665"/>
+          </a:xfrm>
+          <a:prstGeom prst="rect">
+            <a:avLst/>
+          </a:prstGeom>
+          <a:noFill/>
+        </p:spPr>
+        <p:txBody>
+          <a:bodyPr wrap="square" rtlCol="0">
+            <a:spAutoFit/>
+          </a:bodyPr>
+          <a:lstStyle/>
+          <a:p>
+            <a:r>
+              <a:rPr lang="fr-FR" sz="2400" dirty="0">
+                <a:latin typeface="Helvetica" panose="020B0604020202020204" pitchFamily="34" charset="0"/>
+                <a:cs typeface="Helvetica" panose="020B0604020202020204" pitchFamily="34" charset="0"/>
+              </a:rPr>
+              <a:t>Castelli, XVIIe, p. 243.</a:t>
+            </a:r>
+            <a:endParaRPr lang="en-GB" sz="2400" dirty="0">
+              <a:latin typeface="Helvetica" panose="020B0604020202020204" pitchFamily="34" charset="0"/>
+              <a:cs typeface="Helvetica" panose="020B0604020202020204" pitchFamily="34" charset="0"/>
+            </a:endParaRPr>
+          </a:p>
+        </p:txBody>
+      </p:sp>
+      <p:sp>
+        <p:nvSpPr>
+          <p:cNvPr id="27" name="TextBox 26">
+            <a:extLst>
+              <a:ext uri="{FF2B5EF4-FFF2-40B4-BE49-F238E27FC236}">
+                <a16:creationId xmlns:a16="http://schemas.microsoft.com/office/drawing/2014/main" id="{A559D859-CB2D-C747-0269-6B6F8AF1E8D7}"/>
+              </a:ext>
+            </a:extLst>
+          </p:cNvPr>
+          <p:cNvSpPr txBox="1"/>
+          <p:nvPr/>
+        </p:nvSpPr>
+        <p:spPr>
+          <a:xfrm>
+            <a:off x="652121" y="12951991"/>
+            <a:ext cx="5206811" cy="461665"/>
+          </a:xfrm>
+          <a:prstGeom prst="rect">
+            <a:avLst/>
+          </a:prstGeom>
+          <a:noFill/>
+        </p:spPr>
+        <p:txBody>
+          <a:bodyPr wrap="square" rtlCol="0">
+            <a:spAutoFit/>
+          </a:bodyPr>
+          <a:lstStyle/>
+          <a:p>
+            <a:r>
+              <a:rPr lang="fr-FR" sz="2400" dirty="0">
+                <a:latin typeface="Helvetica" panose="020B0604020202020204" pitchFamily="34" charset="0"/>
+                <a:cs typeface="Helvetica" panose="020B0604020202020204" pitchFamily="34" charset="0"/>
+              </a:rPr>
+              <a:t>James Fr., XVIIIe, vol.3, p. 1059.</a:t>
+            </a:r>
+            <a:endParaRPr lang="en-GB" sz="2400" dirty="0">
+              <a:latin typeface="Helvetica" panose="020B0604020202020204" pitchFamily="34" charset="0"/>
+              <a:cs typeface="Helvetica" panose="020B0604020202020204" pitchFamily="34" charset="0"/>
+            </a:endParaRPr>
+          </a:p>
+        </p:txBody>
+      </p:sp>
     </p:spTree>
     <p:extLst>
       <p:ext uri="{BB962C8B-B14F-4D97-AF65-F5344CB8AC3E}">
